--- a/seminar power point.pptx
+++ b/seminar power point.pptx
@@ -5,7 +5,7 @@
     <p:sldMasterId id="2147483648" r:id="rId1"/>
   </p:sldMasterIdLst>
   <p:notesMasterIdLst>
-    <p:notesMasterId r:id="rId12"/>
+    <p:notesMasterId r:id="rId14"/>
   </p:notesMasterIdLst>
   <p:sldIdLst>
     <p:sldId id="256" r:id="rId2"/>
@@ -18,6 +18,8 @@
     <p:sldId id="267" r:id="rId9"/>
     <p:sldId id="268" r:id="rId10"/>
     <p:sldId id="269" r:id="rId11"/>
+    <p:sldId id="270" r:id="rId12"/>
+    <p:sldId id="271" r:id="rId13"/>
   </p:sldIdLst>
   <p:sldSz cx="9144000" cy="6858000" type="screen4x3"/>
   <p:notesSz cx="6858000" cy="9144000"/>
@@ -201,7 +203,8 @@
           <a:p>
             <a:fld id="{55AEA85A-7A4A-4727-AC9B-0F0F5B9C2E95}" type="datetimeFigureOut">
               <a:rPr lang="en-US" smtClean="0"/>
-              <a:t>6/17/2016</a:t>
+              <a:pPr/>
+              <a:t>6/20/2016</a:t>
             </a:fld>
             <a:endParaRPr lang="en-US"/>
           </a:p>
@@ -362,6 +365,7 @@
           <a:p>
             <a:fld id="{3A1DCD25-2EE5-49CA-A0B9-C1F56F8B38BC}" type="slidenum">
               <a:rPr lang="en-US" smtClean="0"/>
+              <a:pPr/>
               <a:t>‹#›</a:t>
             </a:fld>
             <a:endParaRPr lang="en-US"/>
@@ -533,6 +537,7 @@
           <a:p>
             <a:fld id="{3A1DCD25-2EE5-49CA-A0B9-C1F56F8B38BC}" type="slidenum">
               <a:rPr lang="en-US" smtClean="0"/>
+              <a:pPr/>
               <a:t>6</a:t>
             </a:fld>
             <a:endParaRPr lang="en-US"/>
@@ -729,7 +734,7 @@
             <a:fld id="{CA337315-48FF-4856-B669-FF9DCA428CA5}" type="datetimeFigureOut">
               <a:rPr lang="en-US" smtClean="0"/>
               <a:pPr/>
-              <a:t>6/17/2016</a:t>
+              <a:t>6/20/2016</a:t>
             </a:fld>
             <a:endParaRPr lang="en-US"/>
           </a:p>
@@ -896,7 +901,7 @@
             <a:fld id="{CA337315-48FF-4856-B669-FF9DCA428CA5}" type="datetimeFigureOut">
               <a:rPr lang="en-US" smtClean="0"/>
               <a:pPr/>
-              <a:t>6/17/2016</a:t>
+              <a:t>6/20/2016</a:t>
             </a:fld>
             <a:endParaRPr lang="en-US"/>
           </a:p>
@@ -1073,7 +1078,7 @@
             <a:fld id="{CA337315-48FF-4856-B669-FF9DCA428CA5}" type="datetimeFigureOut">
               <a:rPr lang="en-US" smtClean="0"/>
               <a:pPr/>
-              <a:t>6/17/2016</a:t>
+              <a:t>6/20/2016</a:t>
             </a:fld>
             <a:endParaRPr lang="en-US"/>
           </a:p>
@@ -1240,7 +1245,7 @@
             <a:fld id="{CA337315-48FF-4856-B669-FF9DCA428CA5}" type="datetimeFigureOut">
               <a:rPr lang="en-US" smtClean="0"/>
               <a:pPr/>
-              <a:t>6/17/2016</a:t>
+              <a:t>6/20/2016</a:t>
             </a:fld>
             <a:endParaRPr lang="en-US"/>
           </a:p>
@@ -1483,7 +1488,7 @@
             <a:fld id="{CA337315-48FF-4856-B669-FF9DCA428CA5}" type="datetimeFigureOut">
               <a:rPr lang="en-US" smtClean="0"/>
               <a:pPr/>
-              <a:t>6/17/2016</a:t>
+              <a:t>6/20/2016</a:t>
             </a:fld>
             <a:endParaRPr lang="en-US"/>
           </a:p>
@@ -1768,7 +1773,7 @@
             <a:fld id="{CA337315-48FF-4856-B669-FF9DCA428CA5}" type="datetimeFigureOut">
               <a:rPr lang="en-US" smtClean="0"/>
               <a:pPr/>
-              <a:t>6/17/2016</a:t>
+              <a:t>6/20/2016</a:t>
             </a:fld>
             <a:endParaRPr lang="en-US"/>
           </a:p>
@@ -2187,7 +2192,7 @@
             <a:fld id="{CA337315-48FF-4856-B669-FF9DCA428CA5}" type="datetimeFigureOut">
               <a:rPr lang="en-US" smtClean="0"/>
               <a:pPr/>
-              <a:t>6/17/2016</a:t>
+              <a:t>6/20/2016</a:t>
             </a:fld>
             <a:endParaRPr lang="en-US"/>
           </a:p>
@@ -2302,7 +2307,7 @@
             <a:fld id="{CA337315-48FF-4856-B669-FF9DCA428CA5}" type="datetimeFigureOut">
               <a:rPr lang="en-US" smtClean="0"/>
               <a:pPr/>
-              <a:t>6/17/2016</a:t>
+              <a:t>6/20/2016</a:t>
             </a:fld>
             <a:endParaRPr lang="en-US"/>
           </a:p>
@@ -2394,7 +2399,7 @@
             <a:fld id="{CA337315-48FF-4856-B669-FF9DCA428CA5}" type="datetimeFigureOut">
               <a:rPr lang="en-US" smtClean="0"/>
               <a:pPr/>
-              <a:t>6/17/2016</a:t>
+              <a:t>6/20/2016</a:t>
             </a:fld>
             <a:endParaRPr lang="en-US"/>
           </a:p>
@@ -2668,7 +2673,7 @@
             <a:fld id="{CA337315-48FF-4856-B669-FF9DCA428CA5}" type="datetimeFigureOut">
               <a:rPr lang="en-US" smtClean="0"/>
               <a:pPr/>
-              <a:t>6/17/2016</a:t>
+              <a:t>6/20/2016</a:t>
             </a:fld>
             <a:endParaRPr lang="en-US"/>
           </a:p>
@@ -2918,7 +2923,7 @@
             <a:fld id="{CA337315-48FF-4856-B669-FF9DCA428CA5}" type="datetimeFigureOut">
               <a:rPr lang="en-US" smtClean="0"/>
               <a:pPr/>
-              <a:t>6/17/2016</a:t>
+              <a:t>6/20/2016</a:t>
             </a:fld>
             <a:endParaRPr lang="en-US"/>
           </a:p>
@@ -3158,7 +3163,7 @@
             <a:fld id="{CA337315-48FF-4856-B669-FF9DCA428CA5}" type="datetimeFigureOut">
               <a:rPr lang="en-US" smtClean="0"/>
               <a:pPr/>
-              <a:t>6/17/2016</a:t>
+              <a:t>6/20/2016</a:t>
             </a:fld>
             <a:endParaRPr lang="en-US"/>
           </a:p>
@@ -3546,7 +3551,9 @@
           </a:xfrm>
         </p:spPr>
         <p:txBody>
-          <a:bodyPr/>
+          <a:bodyPr>
+            <a:normAutofit fontScale="92500" lnSpcReduction="10000"/>
+          </a:bodyPr>
           <a:lstStyle/>
           <a:p>
             <a:r>
@@ -3592,10 +3599,53 @@
                   </a:outerShdw>
                 </a:effectLst>
               </a:rPr>
-              <a:t>RADIO FREQUENCY REMOTE CONTROL</a:t>
-            </a:r>
-          </a:p>
-          <a:p>
+              <a:t>RADIO FREQUENCY REMOTE </a:t>
+            </a:r>
+            <a:r>
+              <a:rPr lang="en-US" sz="4000" b="1" dirty="0" smtClean="0">
+                <a:ln w="24500" cmpd="dbl">
+                  <a:solidFill>
+                    <a:schemeClr val="accent2">
+                      <a:shade val="85000"/>
+                      <a:satMod val="155000"/>
+                    </a:schemeClr>
+                  </a:solidFill>
+                  <a:prstDash val="solid"/>
+                  <a:miter lim="800000"/>
+                </a:ln>
+                <a:gradFill>
+                  <a:gsLst>
+                    <a:gs pos="10000">
+                      <a:schemeClr val="accent2">
+                        <a:tint val="10000"/>
+                        <a:satMod val="155000"/>
+                      </a:schemeClr>
+                    </a:gs>
+                    <a:gs pos="60000">
+                      <a:schemeClr val="accent2">
+                        <a:tint val="30000"/>
+                        <a:satMod val="155000"/>
+                      </a:schemeClr>
+                    </a:gs>
+                    <a:gs pos="100000">
+                      <a:schemeClr val="accent2">
+                        <a:tint val="73000"/>
+                        <a:satMod val="155000"/>
+                      </a:schemeClr>
+                    </a:gs>
+                  </a:gsLst>
+                  <a:lin ang="5400000"/>
+                </a:gradFill>
+                <a:effectLst>
+                  <a:outerShdw blurRad="38100" dist="38100" dir="7020000" algn="tl">
+                    <a:srgbClr val="000000">
+                      <a:alpha val="35000"/>
+                    </a:srgbClr>
+                  </a:outerShdw>
+                </a:effectLst>
+              </a:rPr>
+              <a:t>CONTROL</a:t>
+            </a:r>
             <a:endParaRPr lang="en-US" b="1" dirty="0" smtClean="0"/>
           </a:p>
           <a:p>
@@ -3657,13 +3707,52 @@
           </a:p>
           <a:p>
             <a:r>
-              <a:rPr lang="en-US" sz="3600" b="1" dirty="0">
+              <a:rPr lang="en-US" sz="3600" b="1" dirty="0" smtClean="0">
                 <a:solidFill>
                   <a:schemeClr val="tx1"/>
                 </a:solidFill>
               </a:rPr>
-              <a:t>2011364033</a:t>
-            </a:r>
+              <a:t>REG NUMBER 2011364033</a:t>
+            </a:r>
+          </a:p>
+          <a:p>
+            <a:endParaRPr lang="en-US" sz="3600" b="1" dirty="0" smtClean="0">
+              <a:solidFill>
+                <a:schemeClr val="tx1"/>
+              </a:solidFill>
+            </a:endParaRPr>
+          </a:p>
+          <a:p>
+            <a:r>
+              <a:rPr lang="en-US" sz="3600" b="1" dirty="0" smtClean="0">
+                <a:solidFill>
+                  <a:schemeClr val="tx1"/>
+                </a:solidFill>
+              </a:rPr>
+              <a:t>DEPARTMENT OF</a:t>
+            </a:r>
+          </a:p>
+          <a:p>
+            <a:endParaRPr lang="en-US" sz="3600" b="1" dirty="0" smtClean="0">
+              <a:solidFill>
+                <a:schemeClr val="tx1"/>
+              </a:solidFill>
+            </a:endParaRPr>
+          </a:p>
+          <a:p>
+            <a:r>
+              <a:rPr lang="en-US" sz="3600" b="1" dirty="0" smtClean="0">
+                <a:solidFill>
+                  <a:schemeClr val="tx1"/>
+                </a:solidFill>
+              </a:rPr>
+              <a:t>ECE</a:t>
+            </a:r>
+            <a:endParaRPr lang="en-US" sz="3600" b="1" dirty="0">
+              <a:solidFill>
+                <a:schemeClr val="tx1"/>
+              </a:solidFill>
+            </a:endParaRPr>
           </a:p>
           <a:p>
             <a:endParaRPr lang="en-US" dirty="0"/>
@@ -6150,17 +6239,324 @@
           <a:p>
             <a:r>
               <a:rPr lang="en-US" b="1" dirty="0" smtClean="0"/>
-              <a:t>Diagrammatic representation of Manchester </a:t>
-            </a:r>
-            <a:r>
-              <a:rPr lang="en-US" b="1" dirty="0" smtClean="0"/>
-              <a:t> </a:t>
-            </a:r>
-            <a:r>
-              <a:rPr lang="en-US" b="1" dirty="0" smtClean="0"/>
-              <a:t>encoded bits</a:t>
+              <a:t>Diagrammatic representation of Manchester  encoded bits</a:t>
             </a:r>
             <a:endParaRPr lang="en-US" b="1" dirty="0"/>
+          </a:p>
+        </p:txBody>
+      </p:sp>
+    </p:spTree>
+  </p:cSld>
+  <p:clrMapOvr>
+    <a:masterClrMapping/>
+  </p:clrMapOvr>
+  <p:timing>
+    <p:tnLst>
+      <p:par>
+        <p:cTn id="1" dur="indefinite" restart="never" nodeType="tmRoot"/>
+      </p:par>
+    </p:tnLst>
+  </p:timing>
+</p:sld>
+</file>
+
+<file path=ppt/slides/slide11.xml><?xml version="1.0" encoding="utf-8"?>
+<p:sld xmlns:a="http://schemas.openxmlformats.org/drawingml/2006/main" xmlns:r="http://schemas.openxmlformats.org/officeDocument/2006/relationships" xmlns:p="http://schemas.openxmlformats.org/presentationml/2006/main">
+  <p:cSld>
+    <p:spTree>
+      <p:nvGrpSpPr>
+        <p:cNvPr id="1" name=""/>
+        <p:cNvGrpSpPr/>
+        <p:nvPr/>
+      </p:nvGrpSpPr>
+      <p:grpSpPr>
+        <a:xfrm>
+          <a:off x="0" y="0"/>
+          <a:ext cx="0" cy="0"/>
+          <a:chOff x="0" y="0"/>
+          <a:chExt cx="0" cy="0"/>
+        </a:xfrm>
+      </p:grpSpPr>
+      <p:sp>
+        <p:nvSpPr>
+          <p:cNvPr id="2" name="Title 1"/>
+          <p:cNvSpPr>
+            <a:spLocks noGrp="1"/>
+          </p:cNvSpPr>
+          <p:nvPr>
+            <p:ph type="title"/>
+          </p:nvPr>
+        </p:nvSpPr>
+        <p:spPr/>
+        <p:txBody>
+          <a:bodyPr/>
+          <a:lstStyle/>
+          <a:p>
+            <a:r>
+              <a:rPr lang="en-US" b="1" dirty="0" smtClean="0">
+                <a:ln w="24500" cmpd="dbl">
+                  <a:solidFill>
+                    <a:schemeClr val="accent2">
+                      <a:shade val="85000"/>
+                      <a:satMod val="155000"/>
+                    </a:schemeClr>
+                  </a:solidFill>
+                  <a:prstDash val="solid"/>
+                  <a:miter lim="800000"/>
+                </a:ln>
+                <a:gradFill>
+                  <a:gsLst>
+                    <a:gs pos="10000">
+                      <a:schemeClr val="accent2">
+                        <a:tint val="10000"/>
+                        <a:satMod val="155000"/>
+                      </a:schemeClr>
+                    </a:gs>
+                    <a:gs pos="60000">
+                      <a:schemeClr val="accent2">
+                        <a:tint val="30000"/>
+                        <a:satMod val="155000"/>
+                      </a:schemeClr>
+                    </a:gs>
+                    <a:gs pos="100000">
+                      <a:schemeClr val="accent2">
+                        <a:tint val="73000"/>
+                        <a:satMod val="155000"/>
+                      </a:schemeClr>
+                    </a:gs>
+                  </a:gsLst>
+                  <a:lin ang="5400000"/>
+                </a:gradFill>
+                <a:effectLst>
+                  <a:outerShdw blurRad="38100" dist="38100" dir="7020000" algn="tl">
+                    <a:srgbClr val="000000">
+                      <a:alpha val="35000"/>
+                    </a:srgbClr>
+                  </a:outerShdw>
+                </a:effectLst>
+              </a:rPr>
+              <a:t>TYPE OF IMPLEMENTATION</a:t>
+            </a:r>
+            <a:endParaRPr lang="en-US" b="1" dirty="0">
+              <a:ln w="24500" cmpd="dbl">
+                <a:solidFill>
+                  <a:schemeClr val="accent2">
+                    <a:shade val="85000"/>
+                    <a:satMod val="155000"/>
+                  </a:schemeClr>
+                </a:solidFill>
+                <a:prstDash val="solid"/>
+                <a:miter lim="800000"/>
+              </a:ln>
+              <a:gradFill>
+                <a:gsLst>
+                  <a:gs pos="10000">
+                    <a:schemeClr val="accent2">
+                      <a:tint val="10000"/>
+                      <a:satMod val="155000"/>
+                    </a:schemeClr>
+                  </a:gs>
+                  <a:gs pos="60000">
+                    <a:schemeClr val="accent2">
+                      <a:tint val="30000"/>
+                      <a:satMod val="155000"/>
+                    </a:schemeClr>
+                  </a:gs>
+                  <a:gs pos="100000">
+                    <a:schemeClr val="accent2">
+                      <a:tint val="73000"/>
+                      <a:satMod val="155000"/>
+                    </a:schemeClr>
+                  </a:gs>
+                </a:gsLst>
+                <a:lin ang="5400000"/>
+              </a:gradFill>
+              <a:effectLst>
+                <a:outerShdw blurRad="38100" dist="38100" dir="7020000" algn="tl">
+                  <a:srgbClr val="000000">
+                    <a:alpha val="35000"/>
+                  </a:srgbClr>
+                </a:outerShdw>
+              </a:effectLst>
+            </a:endParaRPr>
+          </a:p>
+        </p:txBody>
+      </p:sp>
+      <p:sp>
+        <p:nvSpPr>
+          <p:cNvPr id="3" name="Content Placeholder 2"/>
+          <p:cNvSpPr>
+            <a:spLocks noGrp="1"/>
+          </p:cNvSpPr>
+          <p:nvPr>
+            <p:ph idx="1"/>
+          </p:nvPr>
+        </p:nvSpPr>
+        <p:spPr>
+          <a:xfrm>
+            <a:off x="457200" y="1295400"/>
+            <a:ext cx="8229600" cy="4830763"/>
+          </a:xfrm>
+        </p:spPr>
+        <p:txBody>
+          <a:bodyPr/>
+          <a:lstStyle/>
+          <a:p>
+            <a:endParaRPr lang="en-US" dirty="0" smtClean="0"/>
+          </a:p>
+          <a:p>
+            <a:r>
+              <a:rPr lang="en-US" dirty="0" smtClean="0"/>
+              <a:t>All these functions of the micro controller are implemented via software by writing a control program to take care of both encoding/decoding, synchronization, redundancy check etc.</a:t>
+            </a:r>
+            <a:endParaRPr lang="en-US" dirty="0"/>
+          </a:p>
+        </p:txBody>
+      </p:sp>
+    </p:spTree>
+  </p:cSld>
+  <p:clrMapOvr>
+    <a:masterClrMapping/>
+  </p:clrMapOvr>
+  <p:timing>
+    <p:tnLst>
+      <p:par>
+        <p:cTn id="1" dur="indefinite" restart="never" nodeType="tmRoot"/>
+      </p:par>
+    </p:tnLst>
+  </p:timing>
+</p:sld>
+</file>
+
+<file path=ppt/slides/slide12.xml><?xml version="1.0" encoding="utf-8"?>
+<p:sld xmlns:a="http://schemas.openxmlformats.org/drawingml/2006/main" xmlns:r="http://schemas.openxmlformats.org/officeDocument/2006/relationships" xmlns:p="http://schemas.openxmlformats.org/presentationml/2006/main">
+  <p:cSld>
+    <p:spTree>
+      <p:nvGrpSpPr>
+        <p:cNvPr id="1" name=""/>
+        <p:cNvGrpSpPr/>
+        <p:nvPr/>
+      </p:nvGrpSpPr>
+      <p:grpSpPr>
+        <a:xfrm>
+          <a:off x="0" y="0"/>
+          <a:ext cx="0" cy="0"/>
+          <a:chOff x="0" y="0"/>
+          <a:chExt cx="0" cy="0"/>
+        </a:xfrm>
+      </p:grpSpPr>
+      <p:sp>
+        <p:nvSpPr>
+          <p:cNvPr id="3" name="Content Placeholder 2"/>
+          <p:cNvSpPr>
+            <a:spLocks noGrp="1"/>
+          </p:cNvSpPr>
+          <p:nvPr>
+            <p:ph idx="1"/>
+          </p:nvPr>
+        </p:nvSpPr>
+        <p:spPr>
+          <a:xfrm>
+            <a:off x="228600" y="228600"/>
+            <a:ext cx="8686800" cy="6400800"/>
+          </a:xfrm>
+        </p:spPr>
+        <p:txBody>
+          <a:bodyPr>
+            <a:normAutofit/>
+          </a:bodyPr>
+          <a:lstStyle/>
+          <a:p>
+            <a:pPr algn="ctr">
+              <a:buNone/>
+            </a:pPr>
+            <a:r>
+              <a:rPr lang="en-US" sz="19900" b="1" dirty="0" smtClean="0">
+                <a:ln w="24500" cmpd="dbl">
+                  <a:solidFill>
+                    <a:schemeClr val="accent2">
+                      <a:shade val="85000"/>
+                      <a:satMod val="155000"/>
+                    </a:schemeClr>
+                  </a:solidFill>
+                  <a:prstDash val="solid"/>
+                  <a:miter lim="800000"/>
+                </a:ln>
+                <a:gradFill>
+                  <a:gsLst>
+                    <a:gs pos="10000">
+                      <a:schemeClr val="accent2">
+                        <a:tint val="10000"/>
+                        <a:satMod val="155000"/>
+                      </a:schemeClr>
+                    </a:gs>
+                    <a:gs pos="60000">
+                      <a:schemeClr val="accent2">
+                        <a:tint val="30000"/>
+                        <a:satMod val="155000"/>
+                      </a:schemeClr>
+                    </a:gs>
+                    <a:gs pos="100000">
+                      <a:schemeClr val="accent2">
+                        <a:tint val="73000"/>
+                        <a:satMod val="155000"/>
+                      </a:schemeClr>
+                    </a:gs>
+                  </a:gsLst>
+                  <a:lin ang="5400000"/>
+                </a:gradFill>
+                <a:effectLst>
+                  <a:outerShdw blurRad="38100" dist="38100" dir="7020000" algn="tl">
+                    <a:srgbClr val="000000">
+                      <a:alpha val="35000"/>
+                    </a:srgbClr>
+                  </a:outerShdw>
+                </a:effectLst>
+              </a:rPr>
+              <a:t>THANK YOU</a:t>
+            </a:r>
+            <a:endParaRPr lang="en-US" sz="19900" b="1" dirty="0">
+              <a:ln w="24500" cmpd="dbl">
+                <a:solidFill>
+                  <a:schemeClr val="accent2">
+                    <a:shade val="85000"/>
+                    <a:satMod val="155000"/>
+                  </a:schemeClr>
+                </a:solidFill>
+                <a:prstDash val="solid"/>
+                <a:miter lim="800000"/>
+              </a:ln>
+              <a:gradFill>
+                <a:gsLst>
+                  <a:gs pos="10000">
+                    <a:schemeClr val="accent2">
+                      <a:tint val="10000"/>
+                      <a:satMod val="155000"/>
+                    </a:schemeClr>
+                  </a:gs>
+                  <a:gs pos="60000">
+                    <a:schemeClr val="accent2">
+                      <a:tint val="30000"/>
+                      <a:satMod val="155000"/>
+                    </a:schemeClr>
+                  </a:gs>
+                  <a:gs pos="100000">
+                    <a:schemeClr val="accent2">
+                      <a:tint val="73000"/>
+                      <a:satMod val="155000"/>
+                    </a:schemeClr>
+                  </a:gs>
+                </a:gsLst>
+                <a:lin ang="5400000"/>
+              </a:gradFill>
+              <a:effectLst>
+                <a:outerShdw blurRad="38100" dist="38100" dir="7020000" algn="tl">
+                  <a:srgbClr val="000000">
+                    <a:alpha val="35000"/>
+                  </a:srgbClr>
+                </a:outerShdw>
+              </a:effectLst>
+            </a:endParaRPr>
           </a:p>
         </p:txBody>
       </p:sp>
@@ -6337,7 +6733,7 @@
           <a:p>
             <a:r>
               <a:rPr lang="en-US" dirty="0" smtClean="0"/>
-              <a:t>The signals transmitted are in digital form and as such can be manipulated.</a:t>
+              <a:t>The signals transmitted are in digital form and as such can be easily manipulated.</a:t>
             </a:r>
             <a:endParaRPr lang="en-US" dirty="0"/>
           </a:p>
@@ -9003,11 +9399,7 @@
             </a:pPr>
             <a:r>
               <a:rPr lang="en-US" dirty="0" smtClean="0"/>
-              <a:t> </a:t>
-            </a:r>
-            <a:r>
-              <a:rPr lang="en-US" dirty="0" smtClean="0"/>
-              <a:t>Noise Filtering</a:t>
+              <a:t> Noise Filtering</a:t>
             </a:r>
           </a:p>
           <a:p>
@@ -9017,11 +9409,7 @@
             </a:pPr>
             <a:r>
               <a:rPr lang="en-US" dirty="0" smtClean="0"/>
-              <a:t> </a:t>
-            </a:r>
-            <a:r>
-              <a:rPr lang="en-US" dirty="0" smtClean="0"/>
-              <a:t>Transmitter and Receiver Synchronization</a:t>
+              <a:t> Transmitter and Receiver Synchronization</a:t>
             </a:r>
           </a:p>
           <a:p>
@@ -9031,11 +9419,7 @@
             </a:pPr>
             <a:r>
               <a:rPr lang="en-US" dirty="0" smtClean="0"/>
-              <a:t> </a:t>
-            </a:r>
-            <a:r>
-              <a:rPr lang="en-US" dirty="0" smtClean="0"/>
-              <a:t>Redundancy check</a:t>
+              <a:t> Redundancy check</a:t>
             </a:r>
           </a:p>
           <a:p>
@@ -9045,11 +9429,7 @@
             </a:pPr>
             <a:r>
               <a:rPr lang="en-US" dirty="0" smtClean="0"/>
-              <a:t> </a:t>
-            </a:r>
-            <a:r>
-              <a:rPr lang="en-US" dirty="0" smtClean="0"/>
-              <a:t>Action initiation</a:t>
+              <a:t> Action initiation</a:t>
             </a:r>
             <a:endParaRPr lang="en-US" dirty="0"/>
           </a:p>
@@ -9221,7 +9601,19 @@
           <a:p>
             <a:r>
               <a:rPr lang="en-US" dirty="0" smtClean="0"/>
-              <a:t>This is a type of Non Return to Zero (NRZ) encoding technique where there is a transition from either HIGH to LOW or LOW to HIGH of every bit.</a:t>
+              <a:t>This is </a:t>
+            </a:r>
+            <a:r>
+              <a:rPr lang="en-US" dirty="0" smtClean="0"/>
+              <a:t>an encoding </a:t>
+            </a:r>
+            <a:r>
+              <a:rPr lang="en-US" dirty="0" smtClean="0"/>
+              <a:t>technique where there is a transition from either HIGH to LOW or LOW to HIGH of every </a:t>
+            </a:r>
+            <a:r>
+              <a:rPr lang="en-US" dirty="0" smtClean="0"/>
+              <a:t>bit at equal time.</a:t>
             </a:r>
             <a:endParaRPr lang="en-US" dirty="0"/>
           </a:p>
